--- a/Lectures/Lecture 24_k-Means.pptx
+++ b/Lectures/Lecture 24_k-Means.pptx
@@ -298,7 +298,7 @@
           <a:p>
             <a:fld id="{FA8F5F61-33DA-BD44-B76B-D37A8B23A3C5}" type="datetimeFigureOut">
               <a:rPr lang="en-US" smtClean="0"/>
-              <a:t>11/16/23</a:t>
+              <a:t>12/13/23</a:t>
             </a:fld>
             <a:endParaRPr lang="en-US"/>
           </a:p>
@@ -463,7 +463,7 @@
           <a:p>
             <a:fld id="{3FE918EF-26F2-F641-9B39-65E2E78847ED}" type="datetimeFigureOut">
               <a:rPr lang="en-US" smtClean="0"/>
-              <a:t>11/16/23</a:t>
+              <a:t>12/13/23</a:t>
             </a:fld>
             <a:endParaRPr lang="en-US"/>
           </a:p>
@@ -1209,7 +1209,7 @@
             <a:fld id="{23A271A1-F6D6-438B-A432-4747EE7ECD40}" type="datetimeFigureOut">
               <a:rPr lang="en-US" smtClean="0"/>
               <a:pPr algn="ctr" eaLnBrk="1" latinLnBrk="0" hangingPunct="1"/>
-              <a:t>11/16/23</a:t>
+              <a:t>12/13/23</a:t>
             </a:fld>
             <a:endParaRPr lang="en-US" sz="2000" dirty="0">
               <a:solidFill>
@@ -1415,7 +1415,7 @@
             <a:fld id="{23A271A1-F6D6-438B-A432-4747EE7ECD40}" type="datetimeFigureOut">
               <a:rPr lang="en-US" smtClean="0"/>
               <a:pPr eaLnBrk="1" latinLnBrk="0" hangingPunct="1"/>
-              <a:t>11/16/23</a:t>
+              <a:t>12/13/23</a:t>
             </a:fld>
             <a:endParaRPr lang="en-US"/>
           </a:p>
@@ -1602,7 +1602,7 @@
             <a:fld id="{23A271A1-F6D6-438B-A432-4747EE7ECD40}" type="datetimeFigureOut">
               <a:rPr lang="en-US" smtClean="0"/>
               <a:pPr eaLnBrk="1" latinLnBrk="0" hangingPunct="1"/>
-              <a:t>11/16/23</a:t>
+              <a:t>12/13/23</a:t>
             </a:fld>
             <a:endParaRPr lang="en-US" dirty="0"/>
           </a:p>
@@ -1867,7 +1867,7 @@
             <a:fld id="{23A271A1-F6D6-438B-A432-4747EE7ECD40}" type="datetimeFigureOut">
               <a:rPr lang="en-US" smtClean="0"/>
               <a:pPr eaLnBrk="1" latinLnBrk="0" hangingPunct="1"/>
-              <a:t>11/16/23</a:t>
+              <a:t>12/13/23</a:t>
             </a:fld>
             <a:endParaRPr lang="en-US" dirty="0"/>
           </a:p>
@@ -2289,7 +2289,7 @@
             <a:fld id="{23A271A1-F6D6-438B-A432-4747EE7ECD40}" type="datetimeFigureOut">
               <a:rPr lang="en-US" smtClean="0"/>
               <a:pPr eaLnBrk="1" latinLnBrk="0" hangingPunct="1"/>
-              <a:t>11/16/23</a:t>
+              <a:t>12/13/23</a:t>
             </a:fld>
             <a:endParaRPr lang="en-US"/>
           </a:p>
@@ -2538,7 +2538,7 @@
             <a:fld id="{23A271A1-F6D6-438B-A432-4747EE7ECD40}" type="datetimeFigureOut">
               <a:rPr lang="en-US" smtClean="0"/>
               <a:pPr eaLnBrk="1" latinLnBrk="0" hangingPunct="1"/>
-              <a:t>11/16/23</a:t>
+              <a:t>12/13/23</a:t>
             </a:fld>
             <a:endParaRPr lang="en-US"/>
           </a:p>
@@ -2777,7 +2777,7 @@
             <a:fld id="{23A271A1-F6D6-438B-A432-4747EE7ECD40}" type="datetimeFigureOut">
               <a:rPr lang="en-US" smtClean="0"/>
               <a:pPr eaLnBrk="1" latinLnBrk="0" hangingPunct="1"/>
-              <a:t>11/16/23</a:t>
+              <a:t>12/13/23</a:t>
             </a:fld>
             <a:endParaRPr lang="en-US"/>
           </a:p>
@@ -2975,7 +2975,7 @@
             <a:fld id="{23A271A1-F6D6-438B-A432-4747EE7ECD40}" type="datetimeFigureOut">
               <a:rPr lang="en-US" smtClean="0"/>
               <a:pPr eaLnBrk="1" latinLnBrk="0" hangingPunct="1"/>
-              <a:t>11/16/23</a:t>
+              <a:t>12/13/23</a:t>
             </a:fld>
             <a:endParaRPr lang="en-US"/>
           </a:p>
@@ -3080,7 +3080,7 @@
             <a:fld id="{23A271A1-F6D6-438B-A432-4747EE7ECD40}" type="datetimeFigureOut">
               <a:rPr lang="en-US" smtClean="0"/>
               <a:pPr eaLnBrk="1" latinLnBrk="0" hangingPunct="1"/>
-              <a:t>11/16/23</a:t>
+              <a:t>12/13/23</a:t>
             </a:fld>
             <a:endParaRPr lang="en-US"/>
           </a:p>
@@ -3222,7 +3222,7 @@
             <a:fld id="{23A271A1-F6D6-438B-A432-4747EE7ECD40}" type="datetimeFigureOut">
               <a:rPr lang="en-US" smtClean="0"/>
               <a:pPr eaLnBrk="1" latinLnBrk="0" hangingPunct="1"/>
-              <a:t>11/16/23</a:t>
+              <a:t>12/13/23</a:t>
             </a:fld>
             <a:endParaRPr lang="en-US"/>
           </a:p>
@@ -3746,7 +3746,7 @@
             <a:fld id="{23A271A1-F6D6-438B-A432-4747EE7ECD40}" type="datetimeFigureOut">
               <a:rPr lang="en-US" smtClean="0"/>
               <a:pPr eaLnBrk="1" latinLnBrk="0" hangingPunct="1"/>
-              <a:t>11/16/23</a:t>
+              <a:t>12/13/23</a:t>
             </a:fld>
             <a:endParaRPr lang="en-US"/>
           </a:p>
@@ -4009,7 +4009,7 @@
             <a:fld id="{23A271A1-F6D6-438B-A432-4747EE7ECD40}" type="datetimeFigureOut">
               <a:rPr lang="en-US" smtClean="0"/>
               <a:pPr eaLnBrk="1" latinLnBrk="0" hangingPunct="1"/>
-              <a:t>11/16/23</a:t>
+              <a:t>12/13/23</a:t>
             </a:fld>
             <a:endParaRPr lang="en-US" sz="1400" dirty="0">
               <a:solidFill>
@@ -4704,14 +4704,14 @@
                       <a:effectLst/>
                       <a:extLst>
                         <a:ext uri="{909E8E84-426E-40dd-AFC4-6F175D3DCCD1}">
-                          <a14:hiddenFill xmlns:a14="http://schemas.microsoft.com/office/drawing/2010/main" xmlns="">
+                          <a14:hiddenFill xmlns="" xmlns:a14="http://schemas.microsoft.com/office/drawing/2010/main">
                             <a:solidFill>
                               <a:srgbClr val="FFFFFF"/>
                             </a:solidFill>
                           </a14:hiddenFill>
                         </a:ext>
                         <a:ext uri="{AF507438-7753-43e0-B8FC-AC1667EBCBE1}">
-                          <a14:hiddenEffects xmlns:a14="http://schemas.microsoft.com/office/drawing/2010/main" xmlns="">
+                          <a14:hiddenEffects xmlns="" xmlns:a14="http://schemas.microsoft.com/office/drawing/2010/main">
                             <a:effectLst>
                               <a:outerShdw blurRad="63500" dist="38099" dir="2700000" algn="ctr" rotWithShape="0">
                                 <a:srgbClr val="808080">
@@ -23183,7 +23183,7 @@
                       <a:noFill/>
                       <a:extLst>
                         <a:ext uri="{909E8E84-426E-40dd-AFC4-6F175D3DCCD1}">
-                          <a14:hiddenFill xmlns:a14="http://schemas.microsoft.com/office/drawing/2010/main" xmlns="">
+                          <a14:hiddenFill xmlns="" xmlns:a14="http://schemas.microsoft.com/office/drawing/2010/main">
                             <a:solidFill>
                               <a:srgbClr val="FFFFFF"/>
                             </a:solidFill>
@@ -25735,7 +25735,7 @@
                       <a:noFill/>
                       <a:extLst>
                         <a:ext uri="{909E8E84-426E-40dd-AFC4-6F175D3DCCD1}">
-                          <a14:hiddenFill xmlns:a14="http://schemas.microsoft.com/office/drawing/2010/main" xmlns="">
+                          <a14:hiddenFill xmlns="" xmlns:a14="http://schemas.microsoft.com/office/drawing/2010/main">
                             <a:solidFill>
                               <a:srgbClr val="FFFFFF"/>
                             </a:solidFill>
@@ -25834,7 +25834,7 @@
                       <a:noFill/>
                       <a:extLst>
                         <a:ext uri="{909E8E84-426E-40dd-AFC4-6F175D3DCCD1}">
-                          <a14:hiddenFill xmlns:a14="http://schemas.microsoft.com/office/drawing/2010/main" xmlns="">
+                          <a14:hiddenFill xmlns="" xmlns:a14="http://schemas.microsoft.com/office/drawing/2010/main">
                             <a:solidFill>
                               <a:srgbClr val="FFFFFF"/>
                             </a:solidFill>
@@ -25904,7 +25904,7 @@
                       <a:noFill/>
                       <a:extLst>
                         <a:ext uri="{909E8E84-426E-40dd-AFC4-6F175D3DCCD1}">
-                          <a14:hiddenFill xmlns:a14="http://schemas.microsoft.com/office/drawing/2010/main" xmlns="">
+                          <a14:hiddenFill xmlns="" xmlns:a14="http://schemas.microsoft.com/office/drawing/2010/main">
                             <a:solidFill>
                               <a:srgbClr val="FFFFFF"/>
                             </a:solidFill>
